--- a/Presentation/AtlantaIOTMay.pptx
+++ b/Presentation/AtlantaIOTMay.pptx
@@ -14,11 +14,13 @@
     <p:sldId id="260" r:id="rId8"/>
     <p:sldId id="261" r:id="rId9"/>
     <p:sldId id="262" r:id="rId10"/>
-    <p:sldId id="263" r:id="rId11"/>
-    <p:sldId id="259" r:id="rId12"/>
-    <p:sldId id="264" r:id="rId13"/>
-    <p:sldId id="265" r:id="rId14"/>
-    <p:sldId id="266" r:id="rId15"/>
+    <p:sldId id="268" r:id="rId11"/>
+    <p:sldId id="263" r:id="rId12"/>
+    <p:sldId id="259" r:id="rId13"/>
+    <p:sldId id="264" r:id="rId14"/>
+    <p:sldId id="265" r:id="rId15"/>
+    <p:sldId id="266" r:id="rId16"/>
+    <p:sldId id="267" r:id="rId17"/>
   </p:sldIdLst>
   <p:sldSz cx="12192000" cy="6858000"/>
   <p:notesSz cx="6858000" cy="9144000"/>
@@ -3151,7 +3153,7 @@
           <a:p>
             <a:fld id="{0848FCE0-DE3C-4B78-A6DD-CE32E3F3C424}" type="datetimeFigureOut">
               <a:rPr lang="en-US" smtClean="0"/>
-              <a:t>4/9/2017</a:t>
+              <a:t>5/1/2017</a:t>
             </a:fld>
             <a:endParaRPr lang="en-US"/>
           </a:p>
@@ -3380,7 +3382,7 @@
           <a:p>
             <a:fld id="{0848FCE0-DE3C-4B78-A6DD-CE32E3F3C424}" type="datetimeFigureOut">
               <a:rPr lang="en-US" smtClean="0"/>
-              <a:t>4/9/2017</a:t>
+              <a:t>5/1/2017</a:t>
             </a:fld>
             <a:endParaRPr lang="en-US"/>
           </a:p>
@@ -7810,7 +7812,7 @@
           <a:p>
             <a:fld id="{48A87A34-81AB-432B-8DAE-1953F412C126}" type="datetimeFigureOut">
               <a:rPr lang="en-US" smtClean="0"/>
-              <a:t>4/9/2017</a:t>
+              <a:t>5/1/2017</a:t>
             </a:fld>
             <a:endParaRPr lang="en-US" dirty="0"/>
           </a:p>
@@ -8021,7 +8023,7 @@
           <a:p>
             <a:fld id="{48A87A34-81AB-432B-8DAE-1953F412C126}" type="datetimeFigureOut">
               <a:rPr lang="en-US" smtClean="0"/>
-              <a:t>4/9/2017</a:t>
+              <a:t>5/1/2017</a:t>
             </a:fld>
             <a:endParaRPr lang="en-US" dirty="0"/>
           </a:p>
@@ -8390,7 +8392,7 @@
           <a:p>
             <a:fld id="{48A87A34-81AB-432B-8DAE-1953F412C126}" type="datetimeFigureOut">
               <a:rPr lang="en-US" smtClean="0"/>
-              <a:t>4/9/2017</a:t>
+              <a:t>5/1/2017</a:t>
             </a:fld>
             <a:endParaRPr lang="en-US" dirty="0"/>
           </a:p>
@@ -8658,7 +8660,7 @@
           <a:p>
             <a:fld id="{0848FCE0-DE3C-4B78-A6DD-CE32E3F3C424}" type="datetimeFigureOut">
               <a:rPr lang="en-US" smtClean="0"/>
-              <a:t>4/9/2017</a:t>
+              <a:t>5/1/2017</a:t>
             </a:fld>
             <a:endParaRPr lang="en-US"/>
           </a:p>
@@ -9074,7 +9076,7 @@
           <a:p>
             <a:fld id="{48A87A34-81AB-432B-8DAE-1953F412C126}" type="datetimeFigureOut">
               <a:rPr lang="en-US" smtClean="0"/>
-              <a:t>4/9/2017</a:t>
+              <a:t>5/1/2017</a:t>
             </a:fld>
             <a:endParaRPr lang="en-US" dirty="0"/>
           </a:p>
@@ -9223,7 +9225,7 @@
           <a:p>
             <a:fld id="{48A87A34-81AB-432B-8DAE-1953F412C126}" type="datetimeFigureOut">
               <a:rPr lang="en-US" smtClean="0"/>
-              <a:t>4/9/2017</a:t>
+              <a:t>5/1/2017</a:t>
             </a:fld>
             <a:endParaRPr lang="en-US" dirty="0"/>
           </a:p>
@@ -9352,7 +9354,7 @@
           <a:p>
             <a:fld id="{48A87A34-81AB-432B-8DAE-1953F412C126}" type="datetimeFigureOut">
               <a:rPr lang="en-US" smtClean="0"/>
-              <a:t>4/9/2017</a:t>
+              <a:t>5/1/2017</a:t>
             </a:fld>
             <a:endParaRPr lang="en-US" dirty="0"/>
           </a:p>
@@ -9606,7 +9608,7 @@
           <a:p>
             <a:fld id="{48A87A34-81AB-432B-8DAE-1953F412C126}" type="datetimeFigureOut">
               <a:rPr lang="en-US" smtClean="0"/>
-              <a:t>4/9/2017</a:t>
+              <a:t>5/1/2017</a:t>
             </a:fld>
             <a:endParaRPr lang="en-US" dirty="0"/>
           </a:p>
@@ -10052,7 +10054,7 @@
             <a:fld id="{48A87A34-81AB-432B-8DAE-1953F412C126}" type="datetimeFigureOut">
               <a:rPr lang="en-US" smtClean="0"/>
               <a:pPr/>
-              <a:t>4/9/2017</a:t>
+              <a:t>5/1/2017</a:t>
             </a:fld>
             <a:endParaRPr lang="en-US" dirty="0"/>
           </a:p>
@@ -10258,7 +10260,7 @@
           <a:p>
             <a:fld id="{48A87A34-81AB-432B-8DAE-1953F412C126}" type="datetimeFigureOut">
               <a:rPr lang="en-US" smtClean="0"/>
-              <a:t>4/9/2017</a:t>
+              <a:t>5/1/2017</a:t>
             </a:fld>
             <a:endParaRPr lang="en-US" dirty="0"/>
           </a:p>
@@ -10473,7 +10475,7 @@
           <a:p>
             <a:fld id="{48A87A34-81AB-432B-8DAE-1953F412C126}" type="datetimeFigureOut">
               <a:rPr lang="en-US" smtClean="0"/>
-              <a:t>4/9/2017</a:t>
+              <a:t>5/1/2017</a:t>
             </a:fld>
             <a:endParaRPr lang="en-US" dirty="0"/>
           </a:p>
@@ -11916,7 +11918,7 @@
           <a:p>
             <a:fld id="{0848FCE0-DE3C-4B78-A6DD-CE32E3F3C424}" type="datetimeFigureOut">
               <a:rPr lang="en-US" smtClean="0"/>
-              <a:t>4/9/2017</a:t>
+              <a:t>5/1/2017</a:t>
             </a:fld>
             <a:endParaRPr lang="en-US"/>
           </a:p>
@@ -12145,7 +12147,7 @@
           <a:p>
             <a:fld id="{0848FCE0-DE3C-4B78-A6DD-CE32E3F3C424}" type="datetimeFigureOut">
               <a:rPr lang="en-US" smtClean="0"/>
-              <a:t>4/9/2017</a:t>
+              <a:t>5/1/2017</a:t>
             </a:fld>
             <a:endParaRPr lang="en-US"/>
           </a:p>
@@ -15789,7 +15791,7 @@
           <a:p>
             <a:fld id="{0848FCE0-DE3C-4B78-A6DD-CE32E3F3C424}" type="datetimeFigureOut">
               <a:rPr lang="en-US" smtClean="0"/>
-              <a:t>4/9/2017</a:t>
+              <a:t>5/1/2017</a:t>
             </a:fld>
             <a:endParaRPr lang="en-US"/>
           </a:p>
@@ -16018,7 +16020,7 @@
           <a:p>
             <a:fld id="{0848FCE0-DE3C-4B78-A6DD-CE32E3F3C424}" type="datetimeFigureOut">
               <a:rPr lang="en-US" smtClean="0"/>
-              <a:t>4/9/2017</a:t>
+              <a:t>5/1/2017</a:t>
             </a:fld>
             <a:endParaRPr lang="en-US"/>
           </a:p>
@@ -20311,7 +20313,7 @@
           <a:p>
             <a:fld id="{0848FCE0-DE3C-4B78-A6DD-CE32E3F3C424}" type="datetimeFigureOut">
               <a:rPr lang="en-US" smtClean="0"/>
-              <a:t>4/9/2017</a:t>
+              <a:t>5/1/2017</a:t>
             </a:fld>
             <a:endParaRPr lang="en-US"/>
           </a:p>
@@ -20540,7 +20542,7 @@
           <a:p>
             <a:fld id="{0848FCE0-DE3C-4B78-A6DD-CE32E3F3C424}" type="datetimeFigureOut">
               <a:rPr lang="en-US" smtClean="0"/>
-              <a:t>4/9/2017</a:t>
+              <a:t>5/1/2017</a:t>
             </a:fld>
             <a:endParaRPr lang="en-US"/>
           </a:p>
@@ -25577,7 +25579,7 @@
             <a:fld id="{18C79C5D-2A6F-F04D-97DA-BEF2467B64E4}" type="datetimeFigureOut">
               <a:rPr lang="en-US" smtClean="0"/>
               <a:pPr/>
-              <a:t>4/9/2017</a:t>
+              <a:t>5/1/2017</a:t>
             </a:fld>
             <a:endParaRPr lang="en-US" dirty="0"/>
           </a:p>
@@ -26077,7 +26079,7 @@
             <a:fld id="{8DFA1846-DA80-1C48-A609-854EA85C59AD}" type="datetimeFigureOut">
               <a:rPr lang="en-US" smtClean="0"/>
               <a:pPr/>
-              <a:t>4/9/2017</a:t>
+              <a:t>5/1/2017</a:t>
             </a:fld>
             <a:endParaRPr lang="en-US" dirty="0"/>
           </a:p>
@@ -26233,7 +26235,7 @@
           <a:ln/>
           <a:extLst>
             <a:ext uri="{91240B29-F687-4f45-9708-019B960494DF}">
-              <a14:hiddenLine xmlns:a14="http://schemas.microsoft.com/office/drawing/2010/main" xmlns="" w="9525">
+              <a14:hiddenLine xmlns="" xmlns:a14="http://schemas.microsoft.com/office/drawing/2010/main" w="9525">
                 <a:solidFill>
                   <a:srgbClr val="000000"/>
                 </a:solidFill>
@@ -26418,7 +26420,7 @@
             <a:fld id="{57302355-E14B-8545-A8F8-0FE83CC9D524}" type="datetimeFigureOut">
               <a:rPr lang="en-US" smtClean="0"/>
               <a:pPr/>
-              <a:t>4/9/2017</a:t>
+              <a:t>5/1/2017</a:t>
             </a:fld>
             <a:endParaRPr lang="en-US" dirty="0"/>
           </a:p>
@@ -39325,7 +39327,7 @@
             <a:fld id="{48A87A34-81AB-432B-8DAE-1953F412C126}" type="datetimeFigureOut">
               <a:rPr lang="en-US" dirty="0"/>
               <a:pPr/>
-              <a:t>4/9/2017</a:t>
+              <a:t>5/1/2017</a:t>
             </a:fld>
             <a:endParaRPr lang="en-US" dirty="0"/>
           </a:p>
@@ -39885,6 +39887,171 @@
 </p:sld>
 </file>
 
+<file path=ppt/slides/slide10.xml><?xml version="1.0" encoding="utf-8"?>
+<p:sld xmlns:a="http://schemas.openxmlformats.org/drawingml/2006/main" xmlns:r="http://schemas.openxmlformats.org/officeDocument/2006/relationships" xmlns:p="http://schemas.openxmlformats.org/presentationml/2006/main">
+  <p:cSld>
+    <p:spTree>
+      <p:nvGrpSpPr>
+        <p:cNvPr id="1" name=""/>
+        <p:cNvGrpSpPr/>
+        <p:nvPr/>
+      </p:nvGrpSpPr>
+      <p:grpSpPr>
+        <a:xfrm>
+          <a:off x="0" y="0"/>
+          <a:ext cx="0" cy="0"/>
+          <a:chOff x="0" y="0"/>
+          <a:chExt cx="0" cy="0"/>
+        </a:xfrm>
+      </p:grpSpPr>
+      <p:sp>
+        <p:nvSpPr>
+          <p:cNvPr id="2" name="Title 1"/>
+          <p:cNvSpPr>
+            <a:spLocks noGrp="1"/>
+          </p:cNvSpPr>
+          <p:nvPr>
+            <p:ph type="title"/>
+          </p:nvPr>
+        </p:nvSpPr>
+        <p:spPr/>
+        <p:txBody>
+          <a:bodyPr/>
+          <a:lstStyle/>
+          <a:p>
+            <a:r>
+              <a:rPr lang="en-US" dirty="0"/>
+              <a:t>Credits and additional information</a:t>
+            </a:r>
+          </a:p>
+        </p:txBody>
+      </p:sp>
+      <p:sp>
+        <p:nvSpPr>
+          <p:cNvPr id="3" name="Content Placeholder 2"/>
+          <p:cNvSpPr>
+            <a:spLocks noGrp="1"/>
+          </p:cNvSpPr>
+          <p:nvPr>
+            <p:ph idx="1"/>
+          </p:nvPr>
+        </p:nvSpPr>
+        <p:spPr/>
+        <p:txBody>
+          <a:bodyPr/>
+          <a:lstStyle/>
+          <a:p>
+            <a:r>
+              <a:rPr lang="en-US" dirty="0"/>
+              <a:t>This presentation and all the code samples at: </a:t>
+            </a:r>
+            <a:r>
+              <a:rPr lang="en-US" sz="2400" b="1" dirty="0">
+                <a:hlinkClick r:id="rId2"/>
+              </a:rPr>
+              <a:t>atliotmay.murphymoments.com</a:t>
+            </a:r>
+            <a:r>
+              <a:rPr lang="en-US" dirty="0"/>
+              <a:t> </a:t>
+            </a:r>
+          </a:p>
+          <a:p>
+            <a:r>
+              <a:rPr lang="en-US" dirty="0">
+                <a:hlinkClick r:id="rId3"/>
+              </a:rPr>
+              <a:t>GrovePi Starter Kit – Dexter Industries / </a:t>
+            </a:r>
+            <a:r>
+              <a:rPr lang="en-US" dirty="0" err="1">
+                <a:hlinkClick r:id="rId3"/>
+              </a:rPr>
+              <a:t>Seeed</a:t>
+            </a:r>
+            <a:r>
+              <a:rPr lang="en-US" dirty="0">
+                <a:hlinkClick r:id="rId3"/>
+              </a:rPr>
+              <a:t> Studio</a:t>
+            </a:r>
+            <a:endParaRPr lang="en-US" dirty="0"/>
+          </a:p>
+          <a:p>
+            <a:r>
+              <a:rPr lang="en-US" dirty="0">
+                <a:hlinkClick r:id="rId4"/>
+              </a:rPr>
+              <a:t>BMP180 Windows </a:t>
+            </a:r>
+            <a:r>
+              <a:rPr lang="en-US" dirty="0" err="1">
+                <a:hlinkClick r:id="rId4"/>
+              </a:rPr>
+              <a:t>Iot</a:t>
+            </a:r>
+            <a:r>
+              <a:rPr lang="en-US" dirty="0">
+                <a:hlinkClick r:id="rId4"/>
+              </a:rPr>
+              <a:t> - </a:t>
+            </a:r>
+            <a:r>
+              <a:rPr lang="en-US" dirty="0" err="1">
+                <a:hlinkClick r:id="rId4"/>
+              </a:rPr>
+              <a:t>Haris</a:t>
+            </a:r>
+            <a:r>
+              <a:rPr lang="en-US" dirty="0">
+                <a:hlinkClick r:id="rId4"/>
+              </a:rPr>
+              <a:t> Sofos </a:t>
+            </a:r>
+            <a:endParaRPr lang="en-US" dirty="0"/>
+          </a:p>
+          <a:p>
+            <a:r>
+              <a:rPr lang="en-US" dirty="0">
+                <a:hlinkClick r:id="rId5"/>
+              </a:rPr>
+              <a:t>Microsoft Azure IoT Starter Kit - </a:t>
+            </a:r>
+            <a:r>
+              <a:rPr lang="en-US" dirty="0" err="1">
+                <a:hlinkClick r:id="rId5"/>
+              </a:rPr>
+              <a:t>SparkFun</a:t>
+            </a:r>
+            <a:r>
+              <a:rPr lang="en-US" dirty="0">
+                <a:hlinkClick r:id="rId5"/>
+              </a:rPr>
+              <a:t> Thing</a:t>
+            </a:r>
+            <a:endParaRPr lang="en-US" dirty="0"/>
+          </a:p>
+          <a:p>
+            <a:endParaRPr lang="en-US" dirty="0"/>
+          </a:p>
+        </p:txBody>
+      </p:sp>
+    </p:spTree>
+    <p:extLst>
+      <p:ext uri="{BB962C8B-B14F-4D97-AF65-F5344CB8AC3E}">
+        <p14:creationId xmlns:p14="http://schemas.microsoft.com/office/powerpoint/2010/main" val="1861017863"/>
+      </p:ext>
+    </p:extLst>
+  </p:cSld>
+  <p:clrMapOvr>
+    <a:masterClrMapping/>
+  </p:clrMapOvr>
+  <p:transition>
+    <p:fade/>
+  </p:transition>
+</p:sld>
+</file>
+
 <file path=ppt/slides/slide2.xml><?xml version="1.0" encoding="utf-8"?>
 <p:sld xmlns:a="http://schemas.openxmlformats.org/drawingml/2006/main" xmlns:r="http://schemas.openxmlformats.org/officeDocument/2006/relationships" xmlns:p="http://schemas.openxmlformats.org/presentationml/2006/main">
   <p:cSld>
@@ -40194,6 +40361,631 @@
           <a:p>
             <a:r>
               <a:rPr lang="en-US" dirty="0"/>
+              <a:t>Quick survey</a:t>
+            </a:r>
+          </a:p>
+        </p:txBody>
+      </p:sp>
+      <p:sp>
+        <p:nvSpPr>
+          <p:cNvPr id="3" name="Content Placeholder 2"/>
+          <p:cNvSpPr>
+            <a:spLocks noGrp="1"/>
+          </p:cNvSpPr>
+          <p:nvPr>
+            <p:ph sz="half" idx="1"/>
+          </p:nvPr>
+        </p:nvSpPr>
+        <p:spPr/>
+        <p:txBody>
+          <a:bodyPr>
+            <a:normAutofit/>
+          </a:bodyPr>
+          <a:lstStyle/>
+          <a:p>
+            <a:r>
+              <a:rPr lang="en-US" sz="3200" dirty="0"/>
+              <a:t>Code background</a:t>
+            </a:r>
+          </a:p>
+          <a:p>
+            <a:pPr lvl="1"/>
+            <a:r>
+              <a:rPr lang="en-US" sz="2800" dirty="0"/>
+              <a:t>C#</a:t>
+            </a:r>
+          </a:p>
+          <a:p>
+            <a:pPr lvl="1"/>
+            <a:r>
+              <a:rPr lang="en-US" sz="2800" dirty="0"/>
+              <a:t>C\C++</a:t>
+            </a:r>
+          </a:p>
+          <a:p>
+            <a:pPr lvl="1"/>
+            <a:r>
+              <a:rPr lang="en-US" sz="2800" dirty="0"/>
+              <a:t>Python</a:t>
+            </a:r>
+          </a:p>
+          <a:p>
+            <a:pPr lvl="1"/>
+            <a:r>
+              <a:rPr lang="en-US" sz="2800" dirty="0"/>
+              <a:t>Other</a:t>
+            </a:r>
+          </a:p>
+        </p:txBody>
+      </p:sp>
+      <p:sp>
+        <p:nvSpPr>
+          <p:cNvPr id="4" name="Content Placeholder 3"/>
+          <p:cNvSpPr>
+            <a:spLocks noGrp="1"/>
+          </p:cNvSpPr>
+          <p:nvPr>
+            <p:ph sz="half" idx="2"/>
+          </p:nvPr>
+        </p:nvSpPr>
+        <p:spPr>
+          <a:xfrm>
+            <a:off x="4924098" y="2017343"/>
+            <a:ext cx="6579474" cy="3441520"/>
+          </a:xfrm>
+        </p:spPr>
+        <p:txBody>
+          <a:bodyPr>
+            <a:normAutofit/>
+          </a:bodyPr>
+          <a:lstStyle/>
+          <a:p>
+            <a:r>
+              <a:rPr lang="en-US" sz="3200" dirty="0"/>
+              <a:t>OS Background</a:t>
+            </a:r>
+          </a:p>
+          <a:p>
+            <a:pPr lvl="1"/>
+            <a:r>
+              <a:rPr lang="en-US" sz="2800" dirty="0"/>
+              <a:t>Windows</a:t>
+            </a:r>
+          </a:p>
+          <a:p>
+            <a:pPr lvl="1"/>
+            <a:r>
+              <a:rPr lang="en-US" sz="2800" dirty="0"/>
+              <a:t>Linux</a:t>
+            </a:r>
+          </a:p>
+          <a:p>
+            <a:pPr lvl="1"/>
+            <a:r>
+              <a:rPr lang="en-US" sz="2800" dirty="0"/>
+              <a:t>“OS?!?, We don’t need no </a:t>
+            </a:r>
+            <a:r>
+              <a:rPr lang="en-US" sz="2800" dirty="0" err="1"/>
+              <a:t>stinkin</a:t>
+            </a:r>
+            <a:r>
+              <a:rPr lang="en-US" sz="2800" dirty="0"/>
+              <a:t>’ OS!”</a:t>
+            </a:r>
+          </a:p>
+          <a:p>
+            <a:endParaRPr lang="en-US" dirty="0"/>
+          </a:p>
+        </p:txBody>
+      </p:sp>
+    </p:spTree>
+    <p:extLst>
+      <p:ext uri="{BB962C8B-B14F-4D97-AF65-F5344CB8AC3E}">
+        <p14:creationId xmlns:p14="http://schemas.microsoft.com/office/powerpoint/2010/main" val="3039016605"/>
+      </p:ext>
+    </p:extLst>
+  </p:cSld>
+  <p:clrMapOvr>
+    <a:masterClrMapping/>
+  </p:clrMapOvr>
+  <p:transition>
+    <p:fade/>
+  </p:transition>
+  <p:timing>
+    <p:tnLst>
+      <p:par>
+        <p:cTn id="1" dur="indefinite" restart="never" nodeType="tmRoot">
+          <p:childTnLst>
+            <p:seq concurrent="1" nextAc="seek">
+              <p:cTn id="2" dur="indefinite" nodeType="mainSeq">
+                <p:childTnLst>
+                  <p:par>
+                    <p:cTn id="3" fill="hold">
+                      <p:stCondLst>
+                        <p:cond delay="indefinite"/>
+                      </p:stCondLst>
+                      <p:childTnLst>
+                        <p:par>
+                          <p:cTn id="4" fill="hold">
+                            <p:stCondLst>
+                              <p:cond delay="0"/>
+                            </p:stCondLst>
+                            <p:childTnLst>
+                              <p:par>
+                                <p:cTn id="5" presetID="10" presetClass="entr" presetSubtype="0" fill="hold" grpId="0" nodeType="clickEffect">
+                                  <p:stCondLst>
+                                    <p:cond delay="0"/>
+                                  </p:stCondLst>
+                                  <p:childTnLst>
+                                    <p:set>
+                                      <p:cBhvr>
+                                        <p:cTn id="6" dur="1" fill="hold">
+                                          <p:stCondLst>
+                                            <p:cond delay="0"/>
+                                          </p:stCondLst>
+                                        </p:cTn>
+                                        <p:tgtEl>
+                                          <p:spTgt spid="3">
+                                            <p:txEl>
+                                              <p:pRg st="0" end="0"/>
+                                            </p:txEl>
+                                          </p:spTgt>
+                                        </p:tgtEl>
+                                        <p:attrNameLst>
+                                          <p:attrName>style.visibility</p:attrName>
+                                        </p:attrNameLst>
+                                      </p:cBhvr>
+                                      <p:to>
+                                        <p:strVal val="visible"/>
+                                      </p:to>
+                                    </p:set>
+                                    <p:animEffect transition="in" filter="fade">
+                                      <p:cBhvr>
+                                        <p:cTn id="7" dur="500"/>
+                                        <p:tgtEl>
+                                          <p:spTgt spid="3">
+                                            <p:txEl>
+                                              <p:pRg st="0" end="0"/>
+                                            </p:txEl>
+                                          </p:spTgt>
+                                        </p:tgtEl>
+                                      </p:cBhvr>
+                                    </p:animEffect>
+                                  </p:childTnLst>
+                                </p:cTn>
+                              </p:par>
+                              <p:par>
+                                <p:cTn id="8" presetID="10" presetClass="entr" presetSubtype="0" fill="hold" grpId="0" nodeType="withEffect">
+                                  <p:stCondLst>
+                                    <p:cond delay="250"/>
+                                  </p:stCondLst>
+                                  <p:childTnLst>
+                                    <p:set>
+                                      <p:cBhvr>
+                                        <p:cTn id="9" dur="1" fill="hold">
+                                          <p:stCondLst>
+                                            <p:cond delay="0"/>
+                                          </p:stCondLst>
+                                        </p:cTn>
+                                        <p:tgtEl>
+                                          <p:spTgt spid="3">
+                                            <p:txEl>
+                                              <p:pRg st="1" end="1"/>
+                                            </p:txEl>
+                                          </p:spTgt>
+                                        </p:tgtEl>
+                                        <p:attrNameLst>
+                                          <p:attrName>style.visibility</p:attrName>
+                                        </p:attrNameLst>
+                                      </p:cBhvr>
+                                      <p:to>
+                                        <p:strVal val="visible"/>
+                                      </p:to>
+                                    </p:set>
+                                    <p:animEffect transition="in" filter="fade">
+                                      <p:cBhvr>
+                                        <p:cTn id="10" dur="500"/>
+                                        <p:tgtEl>
+                                          <p:spTgt spid="3">
+                                            <p:txEl>
+                                              <p:pRg st="1" end="1"/>
+                                            </p:txEl>
+                                          </p:spTgt>
+                                        </p:tgtEl>
+                                      </p:cBhvr>
+                                    </p:animEffect>
+                                  </p:childTnLst>
+                                </p:cTn>
+                              </p:par>
+                              <p:par>
+                                <p:cTn id="11" presetID="10" presetClass="entr" presetSubtype="0" fill="hold" grpId="0" nodeType="withEffect">
+                                  <p:stCondLst>
+                                    <p:cond delay="500"/>
+                                  </p:stCondLst>
+                                  <p:childTnLst>
+                                    <p:set>
+                                      <p:cBhvr>
+                                        <p:cTn id="12" dur="1" fill="hold">
+                                          <p:stCondLst>
+                                            <p:cond delay="0"/>
+                                          </p:stCondLst>
+                                        </p:cTn>
+                                        <p:tgtEl>
+                                          <p:spTgt spid="3">
+                                            <p:txEl>
+                                              <p:pRg st="2" end="2"/>
+                                            </p:txEl>
+                                          </p:spTgt>
+                                        </p:tgtEl>
+                                        <p:attrNameLst>
+                                          <p:attrName>style.visibility</p:attrName>
+                                        </p:attrNameLst>
+                                      </p:cBhvr>
+                                      <p:to>
+                                        <p:strVal val="visible"/>
+                                      </p:to>
+                                    </p:set>
+                                    <p:animEffect transition="in" filter="fade">
+                                      <p:cBhvr>
+                                        <p:cTn id="13" dur="500"/>
+                                        <p:tgtEl>
+                                          <p:spTgt spid="3">
+                                            <p:txEl>
+                                              <p:pRg st="2" end="2"/>
+                                            </p:txEl>
+                                          </p:spTgt>
+                                        </p:tgtEl>
+                                      </p:cBhvr>
+                                    </p:animEffect>
+                                  </p:childTnLst>
+                                </p:cTn>
+                              </p:par>
+                              <p:par>
+                                <p:cTn id="14" presetID="10" presetClass="entr" presetSubtype="0" fill="hold" grpId="0" nodeType="withEffect">
+                                  <p:stCondLst>
+                                    <p:cond delay="750"/>
+                                  </p:stCondLst>
+                                  <p:childTnLst>
+                                    <p:set>
+                                      <p:cBhvr>
+                                        <p:cTn id="15" dur="1" fill="hold">
+                                          <p:stCondLst>
+                                            <p:cond delay="0"/>
+                                          </p:stCondLst>
+                                        </p:cTn>
+                                        <p:tgtEl>
+                                          <p:spTgt spid="3">
+                                            <p:txEl>
+                                              <p:pRg st="3" end="3"/>
+                                            </p:txEl>
+                                          </p:spTgt>
+                                        </p:tgtEl>
+                                        <p:attrNameLst>
+                                          <p:attrName>style.visibility</p:attrName>
+                                        </p:attrNameLst>
+                                      </p:cBhvr>
+                                      <p:to>
+                                        <p:strVal val="visible"/>
+                                      </p:to>
+                                    </p:set>
+                                    <p:animEffect transition="in" filter="fade">
+                                      <p:cBhvr>
+                                        <p:cTn id="16" dur="500"/>
+                                        <p:tgtEl>
+                                          <p:spTgt spid="3">
+                                            <p:txEl>
+                                              <p:pRg st="3" end="3"/>
+                                            </p:txEl>
+                                          </p:spTgt>
+                                        </p:tgtEl>
+                                      </p:cBhvr>
+                                    </p:animEffect>
+                                  </p:childTnLst>
+                                </p:cTn>
+                              </p:par>
+                              <p:par>
+                                <p:cTn id="17" presetID="10" presetClass="entr" presetSubtype="0" fill="hold" grpId="0" nodeType="withEffect">
+                                  <p:stCondLst>
+                                    <p:cond delay="1000"/>
+                                  </p:stCondLst>
+                                  <p:childTnLst>
+                                    <p:set>
+                                      <p:cBhvr>
+                                        <p:cTn id="18" dur="1" fill="hold">
+                                          <p:stCondLst>
+                                            <p:cond delay="0"/>
+                                          </p:stCondLst>
+                                        </p:cTn>
+                                        <p:tgtEl>
+                                          <p:spTgt spid="3">
+                                            <p:txEl>
+                                              <p:pRg st="4" end="4"/>
+                                            </p:txEl>
+                                          </p:spTgt>
+                                        </p:tgtEl>
+                                        <p:attrNameLst>
+                                          <p:attrName>style.visibility</p:attrName>
+                                        </p:attrNameLst>
+                                      </p:cBhvr>
+                                      <p:to>
+                                        <p:strVal val="visible"/>
+                                      </p:to>
+                                    </p:set>
+                                    <p:animEffect transition="in" filter="fade">
+                                      <p:cBhvr>
+                                        <p:cTn id="19" dur="500"/>
+                                        <p:tgtEl>
+                                          <p:spTgt spid="3">
+                                            <p:txEl>
+                                              <p:pRg st="4" end="4"/>
+                                            </p:txEl>
+                                          </p:spTgt>
+                                        </p:tgtEl>
+                                      </p:cBhvr>
+                                    </p:animEffect>
+                                  </p:childTnLst>
+                                </p:cTn>
+                              </p:par>
+                            </p:childTnLst>
+                          </p:cTn>
+                        </p:par>
+                      </p:childTnLst>
+                    </p:cTn>
+                  </p:par>
+                  <p:par>
+                    <p:cTn id="20" fill="hold">
+                      <p:stCondLst>
+                        <p:cond delay="indefinite"/>
+                      </p:stCondLst>
+                      <p:childTnLst>
+                        <p:par>
+                          <p:cTn id="21" fill="hold">
+                            <p:stCondLst>
+                              <p:cond delay="0"/>
+                            </p:stCondLst>
+                            <p:childTnLst>
+                              <p:par>
+                                <p:cTn id="22" presetID="10" presetClass="entr" presetSubtype="0" fill="hold" grpId="0" nodeType="clickEffect">
+                                  <p:stCondLst>
+                                    <p:cond delay="0"/>
+                                  </p:stCondLst>
+                                  <p:childTnLst>
+                                    <p:set>
+                                      <p:cBhvr>
+                                        <p:cTn id="23" dur="1" fill="hold">
+                                          <p:stCondLst>
+                                            <p:cond delay="0"/>
+                                          </p:stCondLst>
+                                        </p:cTn>
+                                        <p:tgtEl>
+                                          <p:spTgt spid="4">
+                                            <p:txEl>
+                                              <p:pRg st="0" end="0"/>
+                                            </p:txEl>
+                                          </p:spTgt>
+                                        </p:tgtEl>
+                                        <p:attrNameLst>
+                                          <p:attrName>style.visibility</p:attrName>
+                                        </p:attrNameLst>
+                                      </p:cBhvr>
+                                      <p:to>
+                                        <p:strVal val="visible"/>
+                                      </p:to>
+                                    </p:set>
+                                    <p:animEffect transition="in" filter="fade">
+                                      <p:cBhvr>
+                                        <p:cTn id="24" dur="500"/>
+                                        <p:tgtEl>
+                                          <p:spTgt spid="4">
+                                            <p:txEl>
+                                              <p:pRg st="0" end="0"/>
+                                            </p:txEl>
+                                          </p:spTgt>
+                                        </p:tgtEl>
+                                      </p:cBhvr>
+                                    </p:animEffect>
+                                  </p:childTnLst>
+                                </p:cTn>
+                              </p:par>
+                              <p:par>
+                                <p:cTn id="25" presetID="10" presetClass="entr" presetSubtype="0" fill="hold" grpId="0" nodeType="withEffect">
+                                  <p:stCondLst>
+                                    <p:cond delay="250"/>
+                                  </p:stCondLst>
+                                  <p:childTnLst>
+                                    <p:set>
+                                      <p:cBhvr>
+                                        <p:cTn id="26" dur="1" fill="hold">
+                                          <p:stCondLst>
+                                            <p:cond delay="0"/>
+                                          </p:stCondLst>
+                                        </p:cTn>
+                                        <p:tgtEl>
+                                          <p:spTgt spid="4">
+                                            <p:txEl>
+                                              <p:pRg st="1" end="1"/>
+                                            </p:txEl>
+                                          </p:spTgt>
+                                        </p:tgtEl>
+                                        <p:attrNameLst>
+                                          <p:attrName>style.visibility</p:attrName>
+                                        </p:attrNameLst>
+                                      </p:cBhvr>
+                                      <p:to>
+                                        <p:strVal val="visible"/>
+                                      </p:to>
+                                    </p:set>
+                                    <p:animEffect transition="in" filter="fade">
+                                      <p:cBhvr>
+                                        <p:cTn id="27" dur="500"/>
+                                        <p:tgtEl>
+                                          <p:spTgt spid="4">
+                                            <p:txEl>
+                                              <p:pRg st="1" end="1"/>
+                                            </p:txEl>
+                                          </p:spTgt>
+                                        </p:tgtEl>
+                                      </p:cBhvr>
+                                    </p:animEffect>
+                                  </p:childTnLst>
+                                </p:cTn>
+                              </p:par>
+                              <p:par>
+                                <p:cTn id="28" presetID="10" presetClass="entr" presetSubtype="0" fill="hold" grpId="0" nodeType="withEffect">
+                                  <p:stCondLst>
+                                    <p:cond delay="500"/>
+                                  </p:stCondLst>
+                                  <p:childTnLst>
+                                    <p:set>
+                                      <p:cBhvr>
+                                        <p:cTn id="29" dur="1" fill="hold">
+                                          <p:stCondLst>
+                                            <p:cond delay="0"/>
+                                          </p:stCondLst>
+                                        </p:cTn>
+                                        <p:tgtEl>
+                                          <p:spTgt spid="4">
+                                            <p:txEl>
+                                              <p:pRg st="2" end="2"/>
+                                            </p:txEl>
+                                          </p:spTgt>
+                                        </p:tgtEl>
+                                        <p:attrNameLst>
+                                          <p:attrName>style.visibility</p:attrName>
+                                        </p:attrNameLst>
+                                      </p:cBhvr>
+                                      <p:to>
+                                        <p:strVal val="visible"/>
+                                      </p:to>
+                                    </p:set>
+                                    <p:animEffect transition="in" filter="fade">
+                                      <p:cBhvr>
+                                        <p:cTn id="30" dur="500"/>
+                                        <p:tgtEl>
+                                          <p:spTgt spid="4">
+                                            <p:txEl>
+                                              <p:pRg st="2" end="2"/>
+                                            </p:txEl>
+                                          </p:spTgt>
+                                        </p:tgtEl>
+                                      </p:cBhvr>
+                                    </p:animEffect>
+                                  </p:childTnLst>
+                                </p:cTn>
+                              </p:par>
+                              <p:par>
+                                <p:cTn id="31" presetID="10" presetClass="entr" presetSubtype="0" fill="hold" grpId="0" nodeType="withEffect">
+                                  <p:stCondLst>
+                                    <p:cond delay="750"/>
+                                  </p:stCondLst>
+                                  <p:childTnLst>
+                                    <p:set>
+                                      <p:cBhvr>
+                                        <p:cTn id="32" dur="1" fill="hold">
+                                          <p:stCondLst>
+                                            <p:cond delay="0"/>
+                                          </p:stCondLst>
+                                        </p:cTn>
+                                        <p:tgtEl>
+                                          <p:spTgt spid="4">
+                                            <p:txEl>
+                                              <p:pRg st="3" end="3"/>
+                                            </p:txEl>
+                                          </p:spTgt>
+                                        </p:tgtEl>
+                                        <p:attrNameLst>
+                                          <p:attrName>style.visibility</p:attrName>
+                                        </p:attrNameLst>
+                                      </p:cBhvr>
+                                      <p:to>
+                                        <p:strVal val="visible"/>
+                                      </p:to>
+                                    </p:set>
+                                    <p:animEffect transition="in" filter="fade">
+                                      <p:cBhvr>
+                                        <p:cTn id="33" dur="500"/>
+                                        <p:tgtEl>
+                                          <p:spTgt spid="4">
+                                            <p:txEl>
+                                              <p:pRg st="3" end="3"/>
+                                            </p:txEl>
+                                          </p:spTgt>
+                                        </p:tgtEl>
+                                      </p:cBhvr>
+                                    </p:animEffect>
+                                  </p:childTnLst>
+                                </p:cTn>
+                              </p:par>
+                            </p:childTnLst>
+                          </p:cTn>
+                        </p:par>
+                      </p:childTnLst>
+                    </p:cTn>
+                  </p:par>
+                </p:childTnLst>
+              </p:cTn>
+              <p:prevCondLst>
+                <p:cond evt="onPrev" delay="0">
+                  <p:tgtEl>
+                    <p:sldTgt/>
+                  </p:tgtEl>
+                </p:cond>
+              </p:prevCondLst>
+              <p:nextCondLst>
+                <p:cond evt="onNext" delay="0">
+                  <p:tgtEl>
+                    <p:sldTgt/>
+                  </p:tgtEl>
+                </p:cond>
+              </p:nextCondLst>
+            </p:seq>
+          </p:childTnLst>
+        </p:cTn>
+      </p:par>
+    </p:tnLst>
+    <p:bldLst>
+      <p:bldP spid="3" grpId="0" uiExpand="1" build="p"/>
+      <p:bldP spid="4" grpId="0" uiExpand="1" build="p"/>
+    </p:bldLst>
+  </p:timing>
+</p:sld>
+</file>
+
+<file path=ppt/slides/slide5.xml><?xml version="1.0" encoding="utf-8"?>
+<p:sld xmlns:a="http://schemas.openxmlformats.org/drawingml/2006/main" xmlns:r="http://schemas.openxmlformats.org/officeDocument/2006/relationships" xmlns:p="http://schemas.openxmlformats.org/presentationml/2006/main">
+  <p:cSld>
+    <p:spTree>
+      <p:nvGrpSpPr>
+        <p:cNvPr id="1" name=""/>
+        <p:cNvGrpSpPr/>
+        <p:nvPr/>
+      </p:nvGrpSpPr>
+      <p:grpSpPr>
+        <a:xfrm>
+          <a:off x="0" y="0"/>
+          <a:ext cx="0" cy="0"/>
+          <a:chOff x="0" y="0"/>
+          <a:chExt cx="0" cy="0"/>
+        </a:xfrm>
+      </p:grpSpPr>
+      <p:sp>
+        <p:nvSpPr>
+          <p:cNvPr id="2" name="Title 1"/>
+          <p:cNvSpPr>
+            <a:spLocks noGrp="1"/>
+          </p:cNvSpPr>
+          <p:nvPr>
+            <p:ph type="title"/>
+          </p:nvPr>
+        </p:nvSpPr>
+        <p:spPr/>
+        <p:txBody>
+          <a:bodyPr/>
+          <a:lstStyle/>
+          <a:p>
+            <a:r>
+              <a:rPr lang="en-US" dirty="0"/>
               <a:t>Problem statement</a:t>
             </a:r>
           </a:p>
@@ -40293,7 +41085,7 @@
 </p:sld>
 </file>
 
-<file path=ppt/slides/slide5.xml><?xml version="1.0" encoding="utf-8"?>
+<file path=ppt/slides/slide6.xml><?xml version="1.0" encoding="utf-8"?>
 <p:sld xmlns:a="http://schemas.openxmlformats.org/drawingml/2006/main" xmlns:r="http://schemas.openxmlformats.org/officeDocument/2006/relationships" xmlns:p="http://schemas.openxmlformats.org/presentationml/2006/main">
   <p:cSld>
     <p:spTree>
@@ -41332,7 +42124,7 @@
 </p:sld>
 </file>
 
-<file path=ppt/slides/slide6.xml><?xml version="1.0" encoding="utf-8"?>
+<file path=ppt/slides/slide7.xml><?xml version="1.0" encoding="utf-8"?>
 <p:sld xmlns:a="http://schemas.openxmlformats.org/drawingml/2006/main" xmlns:r="http://schemas.openxmlformats.org/officeDocument/2006/relationships" xmlns:p="http://schemas.openxmlformats.org/presentationml/2006/main">
   <p:cSld>
     <p:spTree>
@@ -41484,13 +42276,8 @@
                       <a:pPr algn="ctr"/>
                       <a:r>
                         <a:rPr lang="en-US" sz="1900" dirty="0"/>
-                        <a:t>Pi 3 </a:t>
+                        <a:t>Pi 3 GrovePi</a:t>
                       </a:r>
-                      <a:r>
-                        <a:rPr lang="en-US" sz="1900" dirty="0" err="1"/>
-                        <a:t>GrovePi</a:t>
-                      </a:r>
-                      <a:endParaRPr lang="en-US" sz="1900" dirty="0"/>
                     </a:p>
                   </a:txBody>
                   <a:tcPr marL="94788" marR="94788" marT="47394" marB="47394" anchor="ctr"/>
@@ -41992,7 +42779,7 @@
 </p:sld>
 </file>
 
-<file path=ppt/slides/slide7.xml><?xml version="1.0" encoding="utf-8"?>
+<file path=ppt/slides/slide8.xml><?xml version="1.0" encoding="utf-8"?>
 <p:sld xmlns:a="http://schemas.openxmlformats.org/drawingml/2006/main" xmlns:r="http://schemas.openxmlformats.org/officeDocument/2006/relationships" xmlns:p="http://schemas.openxmlformats.org/presentationml/2006/main">
   <p:cSld>
     <p:spTree>
@@ -42091,7 +42878,6 @@
               <a:rPr lang="en-US" dirty="0"/>
               <a:t> </a:t>
             </a:r>
-            <a:endParaRPr lang="en-US" dirty="0"/>
           </a:p>
           <a:p>
             <a:pPr marL="564091" lvl="1" indent="-214313">
@@ -42196,7 +42982,6 @@
               <a:rPr lang="en-US" dirty="0"/>
               <a:t>10K rows/hour consumption limit for streaming data</a:t>
             </a:r>
-            <a:endParaRPr lang="en-US" dirty="0"/>
           </a:p>
         </p:txBody>
       </p:sp>
@@ -42408,7 +43193,7 @@
 </p:sld>
 </file>
 
-<file path=ppt/slides/slide8.xml><?xml version="1.0" encoding="utf-8"?>
+<file path=ppt/slides/slide9.xml><?xml version="1.0" encoding="utf-8"?>
 <p:sld xmlns:a="http://schemas.openxmlformats.org/drawingml/2006/main" xmlns:r="http://schemas.openxmlformats.org/officeDocument/2006/relationships" xmlns:p="http://schemas.openxmlformats.org/presentationml/2006/main">
   <p:cSld>
     <p:spTree>
